--- a/GWcatalogFigures/SnapShotOfMovie.pptx
+++ b/GWcatalogFigures/SnapShotOfMovie.pptx
@@ -254,7 +254,7 @@
           <a:p>
             <a:fld id="{A9A4A7F7-E554-834B-8780-0702DA12AED0}" type="datetimeFigureOut">
               <a:rPr lang="en-US" smtClean="0"/>
-              <a:t>11/27/23</a:t>
+              <a:t>1/17/24</a:t>
             </a:fld>
             <a:endParaRPr lang="en-US"/>
           </a:p>
@@ -424,7 +424,7 @@
           <a:p>
             <a:fld id="{A9A4A7F7-E554-834B-8780-0702DA12AED0}" type="datetimeFigureOut">
               <a:rPr lang="en-US" smtClean="0"/>
-              <a:t>11/27/23</a:t>
+              <a:t>1/17/24</a:t>
             </a:fld>
             <a:endParaRPr lang="en-US"/>
           </a:p>
@@ -604,7 +604,7 @@
           <a:p>
             <a:fld id="{A9A4A7F7-E554-834B-8780-0702DA12AED0}" type="datetimeFigureOut">
               <a:rPr lang="en-US" smtClean="0"/>
-              <a:t>11/27/23</a:t>
+              <a:t>1/17/24</a:t>
             </a:fld>
             <a:endParaRPr lang="en-US"/>
           </a:p>
@@ -774,7 +774,7 @@
           <a:p>
             <a:fld id="{A9A4A7F7-E554-834B-8780-0702DA12AED0}" type="datetimeFigureOut">
               <a:rPr lang="en-US" smtClean="0"/>
-              <a:t>11/27/23</a:t>
+              <a:t>1/17/24</a:t>
             </a:fld>
             <a:endParaRPr lang="en-US"/>
           </a:p>
@@ -1020,7 +1020,7 @@
           <a:p>
             <a:fld id="{A9A4A7F7-E554-834B-8780-0702DA12AED0}" type="datetimeFigureOut">
               <a:rPr lang="en-US" smtClean="0"/>
-              <a:t>11/27/23</a:t>
+              <a:t>1/17/24</a:t>
             </a:fld>
             <a:endParaRPr lang="en-US"/>
           </a:p>
@@ -1252,7 +1252,7 @@
           <a:p>
             <a:fld id="{A9A4A7F7-E554-834B-8780-0702DA12AED0}" type="datetimeFigureOut">
               <a:rPr lang="en-US" smtClean="0"/>
-              <a:t>11/27/23</a:t>
+              <a:t>1/17/24</a:t>
             </a:fld>
             <a:endParaRPr lang="en-US"/>
           </a:p>
@@ -1619,7 +1619,7 @@
           <a:p>
             <a:fld id="{A9A4A7F7-E554-834B-8780-0702DA12AED0}" type="datetimeFigureOut">
               <a:rPr lang="en-US" smtClean="0"/>
-              <a:t>11/27/23</a:t>
+              <a:t>1/17/24</a:t>
             </a:fld>
             <a:endParaRPr lang="en-US"/>
           </a:p>
@@ -1737,7 +1737,7 @@
           <a:p>
             <a:fld id="{A9A4A7F7-E554-834B-8780-0702DA12AED0}" type="datetimeFigureOut">
               <a:rPr lang="en-US" smtClean="0"/>
-              <a:t>11/27/23</a:t>
+              <a:t>1/17/24</a:t>
             </a:fld>
             <a:endParaRPr lang="en-US"/>
           </a:p>
@@ -1832,7 +1832,7 @@
           <a:p>
             <a:fld id="{A9A4A7F7-E554-834B-8780-0702DA12AED0}" type="datetimeFigureOut">
               <a:rPr lang="en-US" smtClean="0"/>
-              <a:t>11/27/23</a:t>
+              <a:t>1/17/24</a:t>
             </a:fld>
             <a:endParaRPr lang="en-US"/>
           </a:p>
@@ -2109,7 +2109,7 @@
           <a:p>
             <a:fld id="{A9A4A7F7-E554-834B-8780-0702DA12AED0}" type="datetimeFigureOut">
               <a:rPr lang="en-US" smtClean="0"/>
-              <a:t>11/27/23</a:t>
+              <a:t>1/17/24</a:t>
             </a:fld>
             <a:endParaRPr lang="en-US"/>
           </a:p>
@@ -2366,7 +2366,7 @@
           <a:p>
             <a:fld id="{A9A4A7F7-E554-834B-8780-0702DA12AED0}" type="datetimeFigureOut">
               <a:rPr lang="en-US" smtClean="0"/>
-              <a:t>11/27/23</a:t>
+              <a:t>1/17/24</a:t>
             </a:fld>
             <a:endParaRPr lang="en-US"/>
           </a:p>
@@ -2579,7 +2579,7 @@
           <a:p>
             <a:fld id="{A9A4A7F7-E554-834B-8780-0702DA12AED0}" type="datetimeFigureOut">
               <a:rPr lang="en-US" smtClean="0"/>
-              <a:t>11/27/23</a:t>
+              <a:t>1/17/24</a:t>
             </a:fld>
             <a:endParaRPr lang="en-US"/>
           </a:p>
@@ -2986,7 +2986,7 @@
       </p:grpSpPr>
       <p:pic>
         <p:nvPicPr>
-          <p:cNvPr id="5" name="Picture 4" descr="A graph with numbers and lines&#10;&#10;Description automatically generated">
+          <p:cNvPr id="5" name="Picture 4">
             <a:extLst>
               <a:ext uri="{FF2B5EF4-FFF2-40B4-BE49-F238E27FC236}">
                 <a16:creationId xmlns:a16="http://schemas.microsoft.com/office/drawing/2014/main" id="{9AD0E2C1-0DDD-304D-C114-F58C5D49367F}"/>
@@ -3000,14 +3000,13 @@
         </p:nvPicPr>
         <p:blipFill>
           <a:blip r:embed="rId2"/>
-          <a:stretch>
-            <a:fillRect/>
-          </a:stretch>
+          <a:srcRect/>
+          <a:stretch/>
         </p:blipFill>
         <p:spPr>
           <a:xfrm>
             <a:off x="54914" y="-15637"/>
-            <a:ext cx="5365371" cy="3353357"/>
+            <a:ext cx="5365371" cy="3353356"/>
           </a:xfrm>
           <a:prstGeom prst="rect">
             <a:avLst/>
@@ -3016,7 +3015,7 @@
       </p:pic>
       <p:pic>
         <p:nvPicPr>
-          <p:cNvPr id="9" name="Picture 8" descr="A graph with numbers and lines&#10;&#10;Description automatically generated">
+          <p:cNvPr id="9" name="Picture 8">
             <a:extLst>
               <a:ext uri="{FF2B5EF4-FFF2-40B4-BE49-F238E27FC236}">
                 <a16:creationId xmlns:a16="http://schemas.microsoft.com/office/drawing/2014/main" id="{D214ABFA-29A3-5F9C-542E-E82C26AA1297}"/>
@@ -3030,14 +3029,13 @@
         </p:nvPicPr>
         <p:blipFill>
           <a:blip r:embed="rId3"/>
-          <a:stretch>
-            <a:fillRect/>
-          </a:stretch>
+          <a:srcRect/>
+          <a:stretch/>
         </p:blipFill>
         <p:spPr>
           <a:xfrm>
             <a:off x="5420285" y="-15637"/>
-            <a:ext cx="5365371" cy="3353357"/>
+            <a:ext cx="5365371" cy="3353356"/>
           </a:xfrm>
           <a:prstGeom prst="rect">
             <a:avLst/>
@@ -3046,7 +3044,7 @@
       </p:pic>
       <p:pic>
         <p:nvPicPr>
-          <p:cNvPr id="11" name="Picture 10" descr="A graph with numbers and lines&#10;&#10;Description automatically generated">
+          <p:cNvPr id="11" name="Picture 10">
             <a:extLst>
               <a:ext uri="{FF2B5EF4-FFF2-40B4-BE49-F238E27FC236}">
                 <a16:creationId xmlns:a16="http://schemas.microsoft.com/office/drawing/2014/main" id="{546D6702-86EE-D042-FD27-29665314CF5B}"/>
@@ -3060,14 +3058,13 @@
         </p:nvPicPr>
         <p:blipFill>
           <a:blip r:embed="rId4"/>
-          <a:stretch>
-            <a:fillRect/>
-          </a:stretch>
+          <a:srcRect/>
+          <a:stretch/>
         </p:blipFill>
         <p:spPr>
           <a:xfrm>
             <a:off x="54914" y="3337721"/>
-            <a:ext cx="5365371" cy="3353357"/>
+            <a:ext cx="5365371" cy="3353356"/>
           </a:xfrm>
           <a:prstGeom prst="rect">
             <a:avLst/>
@@ -3076,7 +3073,7 @@
       </p:pic>
       <p:pic>
         <p:nvPicPr>
-          <p:cNvPr id="13" name="Picture 12" descr="A graph with numbers and lines&#10;&#10;Description automatically generated">
+          <p:cNvPr id="13" name="Picture 12">
             <a:extLst>
               <a:ext uri="{FF2B5EF4-FFF2-40B4-BE49-F238E27FC236}">
                 <a16:creationId xmlns:a16="http://schemas.microsoft.com/office/drawing/2014/main" id="{FE66FA44-DAC9-CE32-CD5F-9A5B44BE1C0B}"/>
@@ -3090,14 +3087,13 @@
         </p:nvPicPr>
         <p:blipFill>
           <a:blip r:embed="rId5"/>
-          <a:stretch>
-            <a:fillRect/>
-          </a:stretch>
+          <a:srcRect/>
+          <a:stretch/>
         </p:blipFill>
         <p:spPr>
           <a:xfrm>
             <a:off x="5420285" y="3337720"/>
-            <a:ext cx="5365371" cy="3353357"/>
+            <a:ext cx="5365371" cy="3353356"/>
           </a:xfrm>
           <a:prstGeom prst="rect">
             <a:avLst/>

--- a/GWcatalogFigures/SnapShotOfMovie.pptx
+++ b/GWcatalogFigures/SnapShotOfMovie.pptx
@@ -3005,8 +3005,8 @@
         </p:blipFill>
         <p:spPr>
           <a:xfrm>
-            <a:off x="54914" y="-15637"/>
-            <a:ext cx="5365371" cy="3353356"/>
+            <a:off x="54915" y="-15637"/>
+            <a:ext cx="5365369" cy="3353356"/>
           </a:xfrm>
           <a:prstGeom prst="rect">
             <a:avLst/>
@@ -3034,8 +3034,8 @@
         </p:blipFill>
         <p:spPr>
           <a:xfrm>
-            <a:off x="5420285" y="-15637"/>
-            <a:ext cx="5365371" cy="3353356"/>
+            <a:off x="5420286" y="-15637"/>
+            <a:ext cx="5365369" cy="3353356"/>
           </a:xfrm>
           <a:prstGeom prst="rect">
             <a:avLst/>
@@ -3063,8 +3063,8 @@
         </p:blipFill>
         <p:spPr>
           <a:xfrm>
-            <a:off x="54914" y="3337721"/>
-            <a:ext cx="5365371" cy="3353356"/>
+            <a:off x="54915" y="3337721"/>
+            <a:ext cx="5365369" cy="3353356"/>
           </a:xfrm>
           <a:prstGeom prst="rect">
             <a:avLst/>
@@ -3092,8 +3092,8 @@
         </p:blipFill>
         <p:spPr>
           <a:xfrm>
-            <a:off x="5420285" y="3337720"/>
-            <a:ext cx="5365371" cy="3353356"/>
+            <a:off x="5420286" y="3337720"/>
+            <a:ext cx="5365369" cy="3353356"/>
           </a:xfrm>
           <a:prstGeom prst="rect">
             <a:avLst/>
